--- a/baocao-ketqua/toandq-slide-baocao.pptx
+++ b/baocao-ketqua/toandq-slide-baocao.pptx
@@ -25200,10 +25200,6 @@
               </a:rPr>
               <a:t>;</a:t>
             </a:r>
-            <a:endParaRPr lang="en-US" sz="2500" dirty="0" smtClean="0">
-              <a:latin typeface="Times New Roman" panose="02020603050405020304" pitchFamily="18" charset="0"/>
-              <a:cs typeface="Times New Roman" panose="02020603050405020304" pitchFamily="18" charset="0"/>
-            </a:endParaRPr>
           </a:p>
           <a:p>
             <a:pPr>
@@ -37455,19 +37451,7 @@
                 <a:latin typeface="Times New Roman" panose="02020603050405020304" pitchFamily="18" charset="0"/>
                 <a:cs typeface="Times New Roman" panose="02020603050405020304" pitchFamily="18" charset="0"/>
               </a:rPr>
-              <a:t> </a:t>
-            </a:r>
-            <a:r>
-              <a:rPr lang="en-US" sz="3000" b="1" dirty="0" smtClean="0">
-                <a:solidFill>
-                  <a:schemeClr val="accent6">
-                    <a:lumMod val="75000"/>
-                  </a:schemeClr>
-                </a:solidFill>
-                <a:latin typeface="Times New Roman" panose="02020603050405020304" pitchFamily="18" charset="0"/>
-                <a:cs typeface="Times New Roman" panose="02020603050405020304" pitchFamily="18" charset="0"/>
-              </a:rPr>
-              <a:t>(3)</a:t>
+              <a:t> (3)</a:t>
             </a:r>
             <a:endParaRPr lang="en-US" sz="3000" b="1" dirty="0">
               <a:solidFill>
@@ -37795,19 +37779,7 @@
                 <a:latin typeface="Times New Roman" panose="02020603050405020304" pitchFamily="18" charset="0"/>
                 <a:cs typeface="Times New Roman" panose="02020603050405020304" pitchFamily="18" charset="0"/>
               </a:rPr>
-              <a:t>2.6. </a:t>
-            </a:r>
-            <a:r>
-              <a:rPr lang="en-US" sz="2500" dirty="0" smtClean="0">
-                <a:solidFill>
-                  <a:schemeClr val="accent6">
-                    <a:lumMod val="75000"/>
-                  </a:schemeClr>
-                </a:solidFill>
-                <a:latin typeface="Times New Roman" panose="02020603050405020304" pitchFamily="18" charset="0"/>
-                <a:cs typeface="Times New Roman" panose="02020603050405020304" pitchFamily="18" charset="0"/>
-              </a:rPr>
-              <a:t>Yii2 framework</a:t>
+              <a:t>2.6. Yii2 framework</a:t>
             </a:r>
           </a:p>
           <a:p>

--- a/baocao-ketqua/toandq-slide-baocao.pptx
+++ b/baocao-ketqua/toandq-slide-baocao.pptx
@@ -246,7 +246,7 @@
           <a:p>
             <a:fld id="{1AE8894B-152B-4FC8-8720-EEB2F0E14810}" type="datetimeFigureOut">
               <a:rPr lang="en-US" smtClean="0"/>
-              <a:t>30/5/2019</a:t>
+              <a:t>30/05/2019</a:t>
             </a:fld>
             <a:endParaRPr lang="en-US"/>
           </a:p>
@@ -645,7 +645,7 @@
           <a:p>
             <a:fld id="{EE68E070-966C-4D96-8408-09C55A1CCDB6}" type="datetime1">
               <a:rPr lang="en-US" smtClean="0"/>
-              <a:t>30/5/2019</a:t>
+              <a:t>30/05/2019</a:t>
             </a:fld>
             <a:endParaRPr lang="en-US"/>
           </a:p>
@@ -815,7 +815,7 @@
           <a:p>
             <a:fld id="{717284DA-5559-4FC8-840B-84D4B5368A92}" type="datetime1">
               <a:rPr lang="en-US" smtClean="0"/>
-              <a:t>30/5/2019</a:t>
+              <a:t>30/05/2019</a:t>
             </a:fld>
             <a:endParaRPr lang="en-US"/>
           </a:p>
@@ -995,7 +995,7 @@
           <a:p>
             <a:fld id="{D5A30498-1452-4059-8138-5209BA887E64}" type="datetime1">
               <a:rPr lang="en-US" smtClean="0"/>
-              <a:t>30/5/2019</a:t>
+              <a:t>30/05/2019</a:t>
             </a:fld>
             <a:endParaRPr lang="en-US"/>
           </a:p>
@@ -1165,7 +1165,7 @@
           <a:p>
             <a:fld id="{E1F9F7EC-BBA2-4E89-836A-D54FD623E0EB}" type="datetime1">
               <a:rPr lang="en-US" smtClean="0"/>
-              <a:t>30/5/2019</a:t>
+              <a:t>30/05/2019</a:t>
             </a:fld>
             <a:endParaRPr lang="en-US"/>
           </a:p>
@@ -1411,7 +1411,7 @@
           <a:p>
             <a:fld id="{79A80B7C-960B-43ED-8DB1-5F7AA974B027}" type="datetime1">
               <a:rPr lang="en-US" smtClean="0"/>
-              <a:t>30/5/2019</a:t>
+              <a:t>30/05/2019</a:t>
             </a:fld>
             <a:endParaRPr lang="en-US"/>
           </a:p>
@@ -1643,7 +1643,7 @@
           <a:p>
             <a:fld id="{F955493E-ECF7-40B7-9BAF-3284E6CDE1B4}" type="datetime1">
               <a:rPr lang="en-US" smtClean="0"/>
-              <a:t>30/5/2019</a:t>
+              <a:t>30/05/2019</a:t>
             </a:fld>
             <a:endParaRPr lang="en-US"/>
           </a:p>
@@ -2010,7 +2010,7 @@
           <a:p>
             <a:fld id="{45D6BA61-DFF9-4F44-B499-4CAC8BC3497F}" type="datetime1">
               <a:rPr lang="en-US" smtClean="0"/>
-              <a:t>30/5/2019</a:t>
+              <a:t>30/05/2019</a:t>
             </a:fld>
             <a:endParaRPr lang="en-US"/>
           </a:p>
@@ -2128,7 +2128,7 @@
           <a:p>
             <a:fld id="{469D4B7E-B7C2-4204-8519-776E1A054D9E}" type="datetime1">
               <a:rPr lang="en-US" smtClean="0"/>
-              <a:t>30/5/2019</a:t>
+              <a:t>30/05/2019</a:t>
             </a:fld>
             <a:endParaRPr lang="en-US"/>
           </a:p>
@@ -2223,7 +2223,7 @@
           <a:p>
             <a:fld id="{AEE1B6D4-F53E-4B69-A230-7550CE5DA2A8}" type="datetime1">
               <a:rPr lang="en-US" smtClean="0"/>
-              <a:t>30/5/2019</a:t>
+              <a:t>30/05/2019</a:t>
             </a:fld>
             <a:endParaRPr lang="en-US"/>
           </a:p>
@@ -2500,7 +2500,7 @@
           <a:p>
             <a:fld id="{238E7C32-5FF0-42DB-8D95-8A3EEB2F203A}" type="datetime1">
               <a:rPr lang="en-US" smtClean="0"/>
-              <a:t>30/5/2019</a:t>
+              <a:t>30/05/2019</a:t>
             </a:fld>
             <a:endParaRPr lang="en-US"/>
           </a:p>
@@ -2753,7 +2753,7 @@
           <a:p>
             <a:fld id="{F5910581-944F-4559-B9DE-E186D1D3CC06}" type="datetime1">
               <a:rPr lang="en-US" smtClean="0"/>
-              <a:t>30/5/2019</a:t>
+              <a:t>30/05/2019</a:t>
             </a:fld>
             <a:endParaRPr lang="en-US"/>
           </a:p>
@@ -2966,7 +2966,7 @@
           <a:p>
             <a:fld id="{94E376F4-3363-4656-A1B6-12A49F87EC46}" type="datetime1">
               <a:rPr lang="en-US" smtClean="0"/>
-              <a:t>30/5/2019</a:t>
+              <a:t>30/05/2019</a:t>
             </a:fld>
             <a:endParaRPr lang="en-US"/>
           </a:p>
@@ -3840,7 +3840,7 @@
           <a:p>
             <a:fld id="{DD7AF497-6D3D-4B36-84AB-A30205FC3A34}" type="datetime1">
               <a:rPr lang="en-US" smtClean="0"/>
-              <a:t>30/5/2019</a:t>
+              <a:t>30/05/2019</a:t>
             </a:fld>
             <a:endParaRPr lang="en-US"/>
           </a:p>
@@ -4171,7 +4171,7 @@
           <a:p>
             <a:fld id="{83A83455-EA6B-492E-859E-4950AF3CFAA0}" type="datetime1">
               <a:rPr lang="en-US" smtClean="0"/>
-              <a:t>30/5/2019</a:t>
+              <a:t>30/05/2019</a:t>
             </a:fld>
             <a:endParaRPr lang="en-US"/>
           </a:p>
@@ -6186,7 +6186,7 @@
           <a:p>
             <a:fld id="{83A83455-EA6B-492E-859E-4950AF3CFAA0}" type="datetime1">
               <a:rPr lang="en-US" smtClean="0"/>
-              <a:t>30/5/2019</a:t>
+              <a:t>30/05/2019</a:t>
             </a:fld>
             <a:endParaRPr lang="en-US"/>
           </a:p>
@@ -11263,7 +11263,7 @@
           <a:p>
             <a:fld id="{83A83455-EA6B-492E-859E-4950AF3CFAA0}" type="datetime1">
               <a:rPr lang="en-US" smtClean="0"/>
-              <a:t>30/5/2019</a:t>
+              <a:t>30/05/2019</a:t>
             </a:fld>
             <a:endParaRPr lang="en-US"/>
           </a:p>
@@ -11495,21 +11495,21 @@
                 <a:gridCol w="383625">
                   <a:extLst>
                     <a:ext uri="{9D8B030D-6E8A-4147-A177-3AD203B41FA5}">
-                      <a16:colId xmlns:a16="http://schemas.microsoft.com/office/drawing/2014/main" val="2637501014"/>
+                      <a16:colId xmlns:a16="http://schemas.microsoft.com/office/drawing/2014/main" xmlns="" val="2637501014"/>
                     </a:ext>
                   </a:extLst>
                 </a:gridCol>
                 <a:gridCol w="1994416">
                   <a:extLst>
                     <a:ext uri="{9D8B030D-6E8A-4147-A177-3AD203B41FA5}">
-                      <a16:colId xmlns:a16="http://schemas.microsoft.com/office/drawing/2014/main" val="2517251258"/>
+                      <a16:colId xmlns:a16="http://schemas.microsoft.com/office/drawing/2014/main" xmlns="" val="2517251258"/>
                     </a:ext>
                   </a:extLst>
                 </a:gridCol>
                 <a:gridCol w="2530625">
                   <a:extLst>
                     <a:ext uri="{9D8B030D-6E8A-4147-A177-3AD203B41FA5}">
-                      <a16:colId xmlns:a16="http://schemas.microsoft.com/office/drawing/2014/main" val="3350022193"/>
+                      <a16:colId xmlns:a16="http://schemas.microsoft.com/office/drawing/2014/main" xmlns="" val="3350022193"/>
                     </a:ext>
                   </a:extLst>
                 </a:gridCol>
@@ -11628,7 +11628,7 @@
                 </a:tc>
                 <a:extLst>
                   <a:ext uri="{0D108BD9-81ED-4DB2-BD59-A6C34878D82A}">
-                    <a16:rowId xmlns:a16="http://schemas.microsoft.com/office/drawing/2014/main" val="3646899169"/>
+                    <a16:rowId xmlns:a16="http://schemas.microsoft.com/office/drawing/2014/main" xmlns="" val="3646899169"/>
                   </a:ext>
                 </a:extLst>
               </a:tr>
@@ -11722,7 +11722,7 @@
                 </a:tc>
                 <a:extLst>
                   <a:ext uri="{0D108BD9-81ED-4DB2-BD59-A6C34878D82A}">
-                    <a16:rowId xmlns:a16="http://schemas.microsoft.com/office/drawing/2014/main" val="496998526"/>
+                    <a16:rowId xmlns:a16="http://schemas.microsoft.com/office/drawing/2014/main" xmlns="" val="496998526"/>
                   </a:ext>
                 </a:extLst>
               </a:tr>
@@ -11876,7 +11876,7 @@
                 </a:tc>
                 <a:extLst>
                   <a:ext uri="{0D108BD9-81ED-4DB2-BD59-A6C34878D82A}">
-                    <a16:rowId xmlns:a16="http://schemas.microsoft.com/office/drawing/2014/main" val="4070473569"/>
+                    <a16:rowId xmlns:a16="http://schemas.microsoft.com/office/drawing/2014/main" xmlns="" val="4070473569"/>
                   </a:ext>
                 </a:extLst>
               </a:tr>
@@ -12036,7 +12036,7 @@
                 </a:tc>
                 <a:extLst>
                   <a:ext uri="{0D108BD9-81ED-4DB2-BD59-A6C34878D82A}">
-                    <a16:rowId xmlns:a16="http://schemas.microsoft.com/office/drawing/2014/main" val="1066375167"/>
+                    <a16:rowId xmlns:a16="http://schemas.microsoft.com/office/drawing/2014/main" xmlns="" val="1066375167"/>
                   </a:ext>
                 </a:extLst>
               </a:tr>
@@ -12184,7 +12184,7 @@
                 </a:tc>
                 <a:extLst>
                   <a:ext uri="{0D108BD9-81ED-4DB2-BD59-A6C34878D82A}">
-                    <a16:rowId xmlns:a16="http://schemas.microsoft.com/office/drawing/2014/main" val="1134893989"/>
+                    <a16:rowId xmlns:a16="http://schemas.microsoft.com/office/drawing/2014/main" xmlns="" val="1134893989"/>
                   </a:ext>
                 </a:extLst>
               </a:tr>
@@ -12308,7 +12308,7 @@
                 </a:tc>
                 <a:extLst>
                   <a:ext uri="{0D108BD9-81ED-4DB2-BD59-A6C34878D82A}">
-                    <a16:rowId xmlns:a16="http://schemas.microsoft.com/office/drawing/2014/main" val="3796269788"/>
+                    <a16:rowId xmlns:a16="http://schemas.microsoft.com/office/drawing/2014/main" xmlns="" val="3796269788"/>
                   </a:ext>
                 </a:extLst>
               </a:tr>
@@ -12480,7 +12480,7 @@
                 </a:tc>
                 <a:extLst>
                   <a:ext uri="{0D108BD9-81ED-4DB2-BD59-A6C34878D82A}">
-                    <a16:rowId xmlns:a16="http://schemas.microsoft.com/office/drawing/2014/main" val="2284100249"/>
+                    <a16:rowId xmlns:a16="http://schemas.microsoft.com/office/drawing/2014/main" xmlns="" val="2284100249"/>
                   </a:ext>
                 </a:extLst>
               </a:tr>
@@ -12652,7 +12652,7 @@
                 </a:tc>
                 <a:extLst>
                   <a:ext uri="{0D108BD9-81ED-4DB2-BD59-A6C34878D82A}">
-                    <a16:rowId xmlns:a16="http://schemas.microsoft.com/office/drawing/2014/main" val="520731963"/>
+                    <a16:rowId xmlns:a16="http://schemas.microsoft.com/office/drawing/2014/main" xmlns="" val="520731963"/>
                   </a:ext>
                 </a:extLst>
               </a:tr>
@@ -12830,7 +12830,7 @@
                 </a:tc>
                 <a:extLst>
                   <a:ext uri="{0D108BD9-81ED-4DB2-BD59-A6C34878D82A}">
-                    <a16:rowId xmlns:a16="http://schemas.microsoft.com/office/drawing/2014/main" val="3838400857"/>
+                    <a16:rowId xmlns:a16="http://schemas.microsoft.com/office/drawing/2014/main" xmlns="" val="3838400857"/>
                   </a:ext>
                 </a:extLst>
               </a:tr>
@@ -13014,7 +13014,7 @@
                 </a:tc>
                 <a:extLst>
                   <a:ext uri="{0D108BD9-81ED-4DB2-BD59-A6C34878D82A}">
-                    <a16:rowId xmlns:a16="http://schemas.microsoft.com/office/drawing/2014/main" val="1979827540"/>
+                    <a16:rowId xmlns:a16="http://schemas.microsoft.com/office/drawing/2014/main" xmlns="" val="1979827540"/>
                   </a:ext>
                 </a:extLst>
               </a:tr>
@@ -13174,7 +13174,7 @@
                 </a:tc>
                 <a:extLst>
                   <a:ext uri="{0D108BD9-81ED-4DB2-BD59-A6C34878D82A}">
-                    <a16:rowId xmlns:a16="http://schemas.microsoft.com/office/drawing/2014/main" val="598937374"/>
+                    <a16:rowId xmlns:a16="http://schemas.microsoft.com/office/drawing/2014/main" xmlns="" val="598937374"/>
                   </a:ext>
                 </a:extLst>
               </a:tr>
@@ -13322,7 +13322,7 @@
                 </a:tc>
                 <a:extLst>
                   <a:ext uri="{0D108BD9-81ED-4DB2-BD59-A6C34878D82A}">
-                    <a16:rowId xmlns:a16="http://schemas.microsoft.com/office/drawing/2014/main" val="1633623804"/>
+                    <a16:rowId xmlns:a16="http://schemas.microsoft.com/office/drawing/2014/main" xmlns="" val="1633623804"/>
                   </a:ext>
                 </a:extLst>
               </a:tr>
@@ -13464,7 +13464,7 @@
                 </a:tc>
                 <a:extLst>
                   <a:ext uri="{0D108BD9-81ED-4DB2-BD59-A6C34878D82A}">
-                    <a16:rowId xmlns:a16="http://schemas.microsoft.com/office/drawing/2014/main" val="2470007325"/>
+                    <a16:rowId xmlns:a16="http://schemas.microsoft.com/office/drawing/2014/main" xmlns="" val="2470007325"/>
                   </a:ext>
                 </a:extLst>
               </a:tr>
@@ -13500,21 +13500,21 @@
                 <a:gridCol w="403307">
                   <a:extLst>
                     <a:ext uri="{9D8B030D-6E8A-4147-A177-3AD203B41FA5}">
-                      <a16:colId xmlns:a16="http://schemas.microsoft.com/office/drawing/2014/main" val="1172116453"/>
+                      <a16:colId xmlns:a16="http://schemas.microsoft.com/office/drawing/2014/main" xmlns="" val="1172116453"/>
                     </a:ext>
                   </a:extLst>
                 </a:gridCol>
                 <a:gridCol w="2094469">
                   <a:extLst>
                     <a:ext uri="{9D8B030D-6E8A-4147-A177-3AD203B41FA5}">
-                      <a16:colId xmlns:a16="http://schemas.microsoft.com/office/drawing/2014/main" val="1070583286"/>
+                      <a16:colId xmlns:a16="http://schemas.microsoft.com/office/drawing/2014/main" xmlns="" val="1070583286"/>
                     </a:ext>
                   </a:extLst>
                 </a:gridCol>
                 <a:gridCol w="2595616">
                   <a:extLst>
                     <a:ext uri="{9D8B030D-6E8A-4147-A177-3AD203B41FA5}">
-                      <a16:colId xmlns:a16="http://schemas.microsoft.com/office/drawing/2014/main" val="3171966850"/>
+                      <a16:colId xmlns:a16="http://schemas.microsoft.com/office/drawing/2014/main" xmlns="" val="3171966850"/>
                     </a:ext>
                   </a:extLst>
                 </a:gridCol>
@@ -13609,7 +13609,7 @@
                 </a:tc>
                 <a:extLst>
                   <a:ext uri="{0D108BD9-81ED-4DB2-BD59-A6C34878D82A}">
-                    <a16:rowId xmlns:a16="http://schemas.microsoft.com/office/drawing/2014/main" val="2654193924"/>
+                    <a16:rowId xmlns:a16="http://schemas.microsoft.com/office/drawing/2014/main" xmlns="" val="2654193924"/>
                   </a:ext>
                 </a:extLst>
               </a:tr>
@@ -13769,7 +13769,7 @@
                 </a:tc>
                 <a:extLst>
                   <a:ext uri="{0D108BD9-81ED-4DB2-BD59-A6C34878D82A}">
-                    <a16:rowId xmlns:a16="http://schemas.microsoft.com/office/drawing/2014/main" val="1946522068"/>
+                    <a16:rowId xmlns:a16="http://schemas.microsoft.com/office/drawing/2014/main" xmlns="" val="1946522068"/>
                   </a:ext>
                 </a:extLst>
               </a:tr>
@@ -13917,7 +13917,7 @@
                 </a:tc>
                 <a:extLst>
                   <a:ext uri="{0D108BD9-81ED-4DB2-BD59-A6C34878D82A}">
-                    <a16:rowId xmlns:a16="http://schemas.microsoft.com/office/drawing/2014/main" val="3231687981"/>
+                    <a16:rowId xmlns:a16="http://schemas.microsoft.com/office/drawing/2014/main" xmlns="" val="3231687981"/>
                   </a:ext>
                 </a:extLst>
               </a:tr>
@@ -14071,7 +14071,7 @@
                 </a:tc>
                 <a:extLst>
                   <a:ext uri="{0D108BD9-81ED-4DB2-BD59-A6C34878D82A}">
-                    <a16:rowId xmlns:a16="http://schemas.microsoft.com/office/drawing/2014/main" val="1563133118"/>
+                    <a16:rowId xmlns:a16="http://schemas.microsoft.com/office/drawing/2014/main" xmlns="" val="1563133118"/>
                   </a:ext>
                 </a:extLst>
               </a:tr>
@@ -14201,7 +14201,7 @@
                 </a:tc>
                 <a:extLst>
                   <a:ext uri="{0D108BD9-81ED-4DB2-BD59-A6C34878D82A}">
-                    <a16:rowId xmlns:a16="http://schemas.microsoft.com/office/drawing/2014/main" val="1760878757"/>
+                    <a16:rowId xmlns:a16="http://schemas.microsoft.com/office/drawing/2014/main" xmlns="" val="1760878757"/>
                   </a:ext>
                 </a:extLst>
               </a:tr>
@@ -14379,7 +14379,7 @@
                 </a:tc>
                 <a:extLst>
                   <a:ext uri="{0D108BD9-81ED-4DB2-BD59-A6C34878D82A}">
-                    <a16:rowId xmlns:a16="http://schemas.microsoft.com/office/drawing/2014/main" val="449166521"/>
+                    <a16:rowId xmlns:a16="http://schemas.microsoft.com/office/drawing/2014/main" xmlns="" val="449166521"/>
                   </a:ext>
                 </a:extLst>
               </a:tr>
@@ -14527,7 +14527,7 @@
                 </a:tc>
                 <a:extLst>
                   <a:ext uri="{0D108BD9-81ED-4DB2-BD59-A6C34878D82A}">
-                    <a16:rowId xmlns:a16="http://schemas.microsoft.com/office/drawing/2014/main" val="154084186"/>
+                    <a16:rowId xmlns:a16="http://schemas.microsoft.com/office/drawing/2014/main" xmlns="" val="154084186"/>
                   </a:ext>
                 </a:extLst>
               </a:tr>
@@ -14687,7 +14687,7 @@
                 </a:tc>
                 <a:extLst>
                   <a:ext uri="{0D108BD9-81ED-4DB2-BD59-A6C34878D82A}">
-                    <a16:rowId xmlns:a16="http://schemas.microsoft.com/office/drawing/2014/main" val="2705673938"/>
+                    <a16:rowId xmlns:a16="http://schemas.microsoft.com/office/drawing/2014/main" xmlns="" val="2705673938"/>
                   </a:ext>
                 </a:extLst>
               </a:tr>
@@ -14835,7 +14835,7 @@
                 </a:tc>
                 <a:extLst>
                   <a:ext uri="{0D108BD9-81ED-4DB2-BD59-A6C34878D82A}">
-                    <a16:rowId xmlns:a16="http://schemas.microsoft.com/office/drawing/2014/main" val="1034401840"/>
+                    <a16:rowId xmlns:a16="http://schemas.microsoft.com/office/drawing/2014/main" xmlns="" val="1034401840"/>
                   </a:ext>
                 </a:extLst>
               </a:tr>
@@ -14977,7 +14977,7 @@
                 </a:tc>
                 <a:extLst>
                   <a:ext uri="{0D108BD9-81ED-4DB2-BD59-A6C34878D82A}">
-                    <a16:rowId xmlns:a16="http://schemas.microsoft.com/office/drawing/2014/main" val="3931854372"/>
+                    <a16:rowId xmlns:a16="http://schemas.microsoft.com/office/drawing/2014/main" xmlns="" val="3931854372"/>
                   </a:ext>
                 </a:extLst>
               </a:tr>
@@ -15143,7 +15143,7 @@
                 </a:tc>
                 <a:extLst>
                   <a:ext uri="{0D108BD9-81ED-4DB2-BD59-A6C34878D82A}">
-                    <a16:rowId xmlns:a16="http://schemas.microsoft.com/office/drawing/2014/main" val="3264148632"/>
+                    <a16:rowId xmlns:a16="http://schemas.microsoft.com/office/drawing/2014/main" xmlns="" val="3264148632"/>
                   </a:ext>
                 </a:extLst>
               </a:tr>
@@ -15297,7 +15297,7 @@
                 </a:tc>
                 <a:extLst>
                   <a:ext uri="{0D108BD9-81ED-4DB2-BD59-A6C34878D82A}">
-                    <a16:rowId xmlns:a16="http://schemas.microsoft.com/office/drawing/2014/main" val="2458666507"/>
+                    <a16:rowId xmlns:a16="http://schemas.microsoft.com/office/drawing/2014/main" xmlns="" val="2458666507"/>
                   </a:ext>
                 </a:extLst>
               </a:tr>
@@ -15451,7 +15451,7 @@
                 </a:tc>
                 <a:extLst>
                   <a:ext uri="{0D108BD9-81ED-4DB2-BD59-A6C34878D82A}">
-                    <a16:rowId xmlns:a16="http://schemas.microsoft.com/office/drawing/2014/main" val="1414977112"/>
+                    <a16:rowId xmlns:a16="http://schemas.microsoft.com/office/drawing/2014/main" xmlns="" val="1414977112"/>
                   </a:ext>
                 </a:extLst>
               </a:tr>
@@ -15761,7 +15761,7 @@
           <a:p>
             <a:fld id="{83A83455-EA6B-492E-859E-4950AF3CFAA0}" type="datetime1">
               <a:rPr lang="en-US" smtClean="0"/>
-              <a:t>30/5/2019</a:t>
+              <a:t>30/05/2019</a:t>
             </a:fld>
             <a:endParaRPr lang="en-US"/>
           </a:p>
@@ -16513,7 +16513,7 @@
           <a:p>
             <a:fld id="{83A83455-EA6B-492E-859E-4950AF3CFAA0}" type="datetime1">
               <a:rPr lang="en-US" smtClean="0"/>
-              <a:t>30/5/2019</a:t>
+              <a:t>30/05/2019</a:t>
             </a:fld>
             <a:endParaRPr lang="en-US" dirty="0"/>
           </a:p>
@@ -17193,7 +17193,7 @@
           <a:p>
             <a:fld id="{83A83455-EA6B-492E-859E-4950AF3CFAA0}" type="datetime1">
               <a:rPr lang="en-US" smtClean="0"/>
-              <a:t>30/5/2019</a:t>
+              <a:t>30/05/2019</a:t>
             </a:fld>
             <a:endParaRPr lang="en-US"/>
           </a:p>
@@ -17874,7 +17874,7 @@
           <a:p>
             <a:fld id="{83A83455-EA6B-492E-859E-4950AF3CFAA0}" type="datetime1">
               <a:rPr lang="en-US" smtClean="0"/>
-              <a:t>30/5/2019</a:t>
+              <a:t>30/05/2019</a:t>
             </a:fld>
             <a:endParaRPr lang="en-US"/>
           </a:p>
@@ -18552,7 +18552,7 @@
           <a:p>
             <a:fld id="{83A83455-EA6B-492E-859E-4950AF3CFAA0}" type="datetime1">
               <a:rPr lang="en-US" smtClean="0"/>
-              <a:t>30/5/2019</a:t>
+              <a:t>30/05/2019</a:t>
             </a:fld>
             <a:endParaRPr lang="en-US" dirty="0"/>
           </a:p>
@@ -19250,7 +19250,7 @@
           <a:p>
             <a:fld id="{83A83455-EA6B-492E-859E-4950AF3CFAA0}" type="datetime1">
               <a:rPr lang="en-US" smtClean="0"/>
-              <a:t>30/5/2019</a:t>
+              <a:t>30/05/2019</a:t>
             </a:fld>
             <a:endParaRPr lang="en-US"/>
           </a:p>
@@ -19853,7 +19853,7 @@
           <a:p>
             <a:fld id="{83A83455-EA6B-492E-859E-4950AF3CFAA0}" type="datetime1">
               <a:rPr lang="en-US" smtClean="0"/>
-              <a:t>30/5/2019</a:t>
+              <a:t>30/05/2019</a:t>
             </a:fld>
             <a:endParaRPr lang="en-US"/>
           </a:p>
@@ -23889,7 +23889,7 @@
           <a:p>
             <a:fld id="{10CF3C82-A3A0-4446-8378-6BB31A44E087}" type="datetime1">
               <a:rPr lang="en-US" smtClean="0"/>
-              <a:t>30/5/2019</a:t>
+              <a:t>30/05/2019</a:t>
             </a:fld>
             <a:endParaRPr lang="en-US"/>
           </a:p>
@@ -24232,7 +24232,7 @@
           <a:p>
             <a:fld id="{83A83455-EA6B-492E-859E-4950AF3CFAA0}" type="datetime1">
               <a:rPr lang="en-US" smtClean="0"/>
-              <a:t>30/5/2019</a:t>
+              <a:t>30/05/2019</a:t>
             </a:fld>
             <a:endParaRPr lang="en-US"/>
           </a:p>
@@ -26474,7 +26474,7 @@
           <a:p>
             <a:fld id="{CD58A4D6-12EC-465E-9121-6B89A65DF59F}" type="datetime1">
               <a:rPr lang="en-US" smtClean="0"/>
-              <a:t>30/5/2019</a:t>
+              <a:t>30/05/2019</a:t>
             </a:fld>
             <a:endParaRPr lang="en-US"/>
           </a:p>
@@ -29478,7 +29478,7 @@
           <a:p>
             <a:fld id="{83A83455-EA6B-492E-859E-4950AF3CFAA0}" type="datetime1">
               <a:rPr lang="en-US" smtClean="0"/>
-              <a:t>30/5/2019</a:t>
+              <a:t>30/05/2019</a:t>
             </a:fld>
             <a:endParaRPr lang="en-US"/>
           </a:p>
@@ -30613,7 +30613,7 @@
           <a:p>
             <a:fld id="{04345707-220A-47DC-A07F-5C19EFAB9A78}" type="datetime1">
               <a:rPr lang="en-US" smtClean="0"/>
-              <a:t>30/5/2019</a:t>
+              <a:t>30/05/2019</a:t>
             </a:fld>
             <a:endParaRPr lang="en-US"/>
           </a:p>
@@ -31413,7 +31413,7 @@
           <a:p>
             <a:fld id="{83A83455-EA6B-492E-859E-4950AF3CFAA0}" type="datetime1">
               <a:rPr lang="en-US" smtClean="0"/>
-              <a:t>30/5/2019</a:t>
+              <a:t>30/05/2019</a:t>
             </a:fld>
             <a:endParaRPr lang="en-US"/>
           </a:p>
@@ -32909,7 +32909,7 @@
           <a:p>
             <a:fld id="{83A83455-EA6B-492E-859E-4950AF3CFAA0}" type="datetime1">
               <a:rPr lang="en-US" smtClean="0"/>
-              <a:t>30/5/2019</a:t>
+              <a:t>30/05/2019</a:t>
             </a:fld>
             <a:endParaRPr lang="en-US"/>
           </a:p>
@@ -33888,7 +33888,7 @@
           <a:p>
             <a:fld id="{83A83455-EA6B-492E-859E-4950AF3CFAA0}" type="datetime1">
               <a:rPr lang="en-US" smtClean="0"/>
-              <a:t>30/5/2019</a:t>
+              <a:t>30/05/2019</a:t>
             </a:fld>
             <a:endParaRPr lang="en-US"/>
           </a:p>
@@ -34284,42 +34284,42 @@
                 <a:gridCol w="385701">
                   <a:extLst>
                     <a:ext uri="{9D8B030D-6E8A-4147-A177-3AD203B41FA5}">
-                      <a16:colId xmlns:a16="http://schemas.microsoft.com/office/drawing/2014/main" val="3549824269"/>
+                      <a16:colId xmlns:a16="http://schemas.microsoft.com/office/drawing/2014/main" xmlns="" val="3549824269"/>
                     </a:ext>
                   </a:extLst>
                 </a:gridCol>
                 <a:gridCol w="1456487">
                   <a:extLst>
                     <a:ext uri="{9D8B030D-6E8A-4147-A177-3AD203B41FA5}">
-                      <a16:colId xmlns:a16="http://schemas.microsoft.com/office/drawing/2014/main" val="1941486114"/>
+                      <a16:colId xmlns:a16="http://schemas.microsoft.com/office/drawing/2014/main" xmlns="" val="1941486114"/>
                     </a:ext>
                   </a:extLst>
                 </a:gridCol>
                 <a:gridCol w="2038808">
                   <a:extLst>
                     <a:ext uri="{9D8B030D-6E8A-4147-A177-3AD203B41FA5}">
-                      <a16:colId xmlns:a16="http://schemas.microsoft.com/office/drawing/2014/main" val="2878304512"/>
+                      <a16:colId xmlns:a16="http://schemas.microsoft.com/office/drawing/2014/main" xmlns="" val="2878304512"/>
                     </a:ext>
                   </a:extLst>
                 </a:gridCol>
                 <a:gridCol w="2039494">
                   <a:extLst>
                     <a:ext uri="{9D8B030D-6E8A-4147-A177-3AD203B41FA5}">
-                      <a16:colId xmlns:a16="http://schemas.microsoft.com/office/drawing/2014/main" val="792675967"/>
+                      <a16:colId xmlns:a16="http://schemas.microsoft.com/office/drawing/2014/main" xmlns="" val="792675967"/>
                     </a:ext>
                   </a:extLst>
                 </a:gridCol>
                 <a:gridCol w="2039494">
                   <a:extLst>
                     <a:ext uri="{9D8B030D-6E8A-4147-A177-3AD203B41FA5}">
-                      <a16:colId xmlns:a16="http://schemas.microsoft.com/office/drawing/2014/main" val="223577416"/>
+                      <a16:colId xmlns:a16="http://schemas.microsoft.com/office/drawing/2014/main" xmlns="" val="223577416"/>
                     </a:ext>
                   </a:extLst>
                 </a:gridCol>
                 <a:gridCol w="2039494">
                   <a:extLst>
                     <a:ext uri="{9D8B030D-6E8A-4147-A177-3AD203B41FA5}">
-                      <a16:colId xmlns:a16="http://schemas.microsoft.com/office/drawing/2014/main" val="2087505477"/>
+                      <a16:colId xmlns:a16="http://schemas.microsoft.com/office/drawing/2014/main" xmlns="" val="2087505477"/>
                     </a:ext>
                   </a:extLst>
                 </a:gridCol>
@@ -34501,7 +34501,7 @@
                 </a:tc>
                 <a:extLst>
                   <a:ext uri="{0D108BD9-81ED-4DB2-BD59-A6C34878D82A}">
-                    <a16:rowId xmlns:a16="http://schemas.microsoft.com/office/drawing/2014/main" val="1042285489"/>
+                    <a16:rowId xmlns:a16="http://schemas.microsoft.com/office/drawing/2014/main" xmlns="" val="1042285489"/>
                   </a:ext>
                 </a:extLst>
               </a:tr>
@@ -34694,7 +34694,7 @@
                 </a:tc>
                 <a:extLst>
                   <a:ext uri="{0D108BD9-81ED-4DB2-BD59-A6C34878D82A}">
-                    <a16:rowId xmlns:a16="http://schemas.microsoft.com/office/drawing/2014/main" val="3089345599"/>
+                    <a16:rowId xmlns:a16="http://schemas.microsoft.com/office/drawing/2014/main" xmlns="" val="3089345599"/>
                   </a:ext>
                 </a:extLst>
               </a:tr>
@@ -34875,7 +34875,7 @@
                 </a:tc>
                 <a:extLst>
                   <a:ext uri="{0D108BD9-81ED-4DB2-BD59-A6C34878D82A}">
-                    <a16:rowId xmlns:a16="http://schemas.microsoft.com/office/drawing/2014/main" val="4003811474"/>
+                    <a16:rowId xmlns:a16="http://schemas.microsoft.com/office/drawing/2014/main" xmlns="" val="4003811474"/>
                   </a:ext>
                 </a:extLst>
               </a:tr>
@@ -35128,7 +35128,7 @@
                 </a:tc>
                 <a:extLst>
                   <a:ext uri="{0D108BD9-81ED-4DB2-BD59-A6C34878D82A}">
-                    <a16:rowId xmlns:a16="http://schemas.microsoft.com/office/drawing/2014/main" val="4009751918"/>
+                    <a16:rowId xmlns:a16="http://schemas.microsoft.com/office/drawing/2014/main" xmlns="" val="4009751918"/>
                   </a:ext>
                 </a:extLst>
               </a:tr>
@@ -35357,7 +35357,7 @@
                 </a:tc>
                 <a:extLst>
                   <a:ext uri="{0D108BD9-81ED-4DB2-BD59-A6C34878D82A}">
-                    <a16:rowId xmlns:a16="http://schemas.microsoft.com/office/drawing/2014/main" val="1781980752"/>
+                    <a16:rowId xmlns:a16="http://schemas.microsoft.com/office/drawing/2014/main" xmlns="" val="1781980752"/>
                   </a:ext>
                 </a:extLst>
               </a:tr>
@@ -35778,7 +35778,7 @@
                 </a:tc>
                 <a:extLst>
                   <a:ext uri="{0D108BD9-81ED-4DB2-BD59-A6C34878D82A}">
-                    <a16:rowId xmlns:a16="http://schemas.microsoft.com/office/drawing/2014/main" val="42108774"/>
+                    <a16:rowId xmlns:a16="http://schemas.microsoft.com/office/drawing/2014/main" xmlns="" val="42108774"/>
                   </a:ext>
                 </a:extLst>
               </a:tr>
@@ -36007,7 +36007,7 @@
                 </a:tc>
                 <a:extLst>
                   <a:ext uri="{0D108BD9-81ED-4DB2-BD59-A6C34878D82A}">
-                    <a16:rowId xmlns:a16="http://schemas.microsoft.com/office/drawing/2014/main" val="2872476973"/>
+                    <a16:rowId xmlns:a16="http://schemas.microsoft.com/office/drawing/2014/main" xmlns="" val="2872476973"/>
                   </a:ext>
                 </a:extLst>
               </a:tr>
@@ -36260,7 +36260,7 @@
                 </a:tc>
                 <a:extLst>
                   <a:ext uri="{0D108BD9-81ED-4DB2-BD59-A6C34878D82A}">
-                    <a16:rowId xmlns:a16="http://schemas.microsoft.com/office/drawing/2014/main" val="4079704017"/>
+                    <a16:rowId xmlns:a16="http://schemas.microsoft.com/office/drawing/2014/main" xmlns="" val="4079704017"/>
                   </a:ext>
                 </a:extLst>
               </a:tr>
@@ -36441,7 +36441,7 @@
                 </a:tc>
                 <a:extLst>
                   <a:ext uri="{0D108BD9-81ED-4DB2-BD59-A6C34878D82A}">
-                    <a16:rowId xmlns:a16="http://schemas.microsoft.com/office/drawing/2014/main" val="379415604"/>
+                    <a16:rowId xmlns:a16="http://schemas.microsoft.com/office/drawing/2014/main" xmlns="" val="379415604"/>
                   </a:ext>
                 </a:extLst>
               </a:tr>
@@ -37058,7 +37058,7 @@
                 </a:tc>
                 <a:extLst>
                   <a:ext uri="{0D108BD9-81ED-4DB2-BD59-A6C34878D82A}">
-                    <a16:rowId xmlns:a16="http://schemas.microsoft.com/office/drawing/2014/main" val="2910188572"/>
+                    <a16:rowId xmlns:a16="http://schemas.microsoft.com/office/drawing/2014/main" xmlns="" val="2910188572"/>
                   </a:ext>
                 </a:extLst>
               </a:tr>
@@ -37442,7 +37442,7 @@
               <a:t>liệu</a:t>
             </a:r>
             <a:r>
-              <a:rPr lang="en-US" sz="3000" b="1" dirty="0" smtClean="0">
+              <a:rPr lang="en-US" sz="3000" b="1" smtClean="0">
                 <a:solidFill>
                   <a:schemeClr val="accent6">
                     <a:lumMod val="75000"/>
@@ -37451,7 +37451,19 @@
                 <a:latin typeface="Times New Roman" panose="02020603050405020304" pitchFamily="18" charset="0"/>
                 <a:cs typeface="Times New Roman" panose="02020603050405020304" pitchFamily="18" charset="0"/>
               </a:rPr>
-              <a:t> (3)</a:t>
+              <a:t> </a:t>
+            </a:r>
+            <a:r>
+              <a:rPr lang="en-US" sz="3000" b="1" smtClean="0">
+                <a:solidFill>
+                  <a:schemeClr val="accent6">
+                    <a:lumMod val="75000"/>
+                  </a:schemeClr>
+                </a:solidFill>
+                <a:latin typeface="Times New Roman" panose="02020603050405020304" pitchFamily="18" charset="0"/>
+                <a:cs typeface="Times New Roman" panose="02020603050405020304" pitchFamily="18" charset="0"/>
+              </a:rPr>
+              <a:t>(4)</a:t>
             </a:r>
             <a:endParaRPr lang="en-US" sz="3000" b="1" dirty="0">
               <a:solidFill>
@@ -37524,7 +37536,7 @@
           <a:p>
             <a:fld id="{83A83455-EA6B-492E-859E-4950AF3CFAA0}" type="datetime1">
               <a:rPr lang="en-US" smtClean="0"/>
-              <a:t>30/5/2019</a:t>
+              <a:t>30/05/2019</a:t>
             </a:fld>
             <a:endParaRPr lang="en-US"/>
           </a:p>
@@ -38809,7 +38821,7 @@
           <a:p>
             <a:fld id="{83A83455-EA6B-492E-859E-4950AF3CFAA0}" type="datetime1">
               <a:rPr lang="en-US" smtClean="0"/>
-              <a:t>30/5/2019</a:t>
+              <a:t>30/05/2019</a:t>
             </a:fld>
             <a:endParaRPr lang="en-US"/>
           </a:p>
